--- a/Applied Cognitive Diagnostics/Curso Breve - FRP/Mis presentaciones/CB_Modulo-1.pptx
+++ b/Applied Cognitive Diagnostics/Curso Breve - FRP/Mis presentaciones/CB_Modulo-1.pptx
@@ -250,7 +250,7 @@
           <a:p>
             <a:fld id="{6392EFD8-C68D-4C01-962B-D81BEE90D5DA}" type="datetimeFigureOut">
               <a:rPr lang="es-MX" smtClean="0"/>
-              <a:t>04/09/2019</a:t>
+              <a:t>05/09/2019</a:t>
             </a:fld>
             <a:endParaRPr lang="es-MX"/>
           </a:p>
@@ -898,7 +898,7 @@
           <a:p>
             <a:fld id="{B84F09BF-D7C3-41CB-A1B7-67487A411715}" type="datetimeFigureOut">
               <a:rPr lang="es-ES" smtClean="0"/>
-              <a:t>04/09/2019</a:t>
+              <a:t>05/09/2019</a:t>
             </a:fld>
             <a:endParaRPr lang="es-ES"/>
           </a:p>
@@ -1068,7 +1068,7 @@
           <a:p>
             <a:fld id="{B84F09BF-D7C3-41CB-A1B7-67487A411715}" type="datetimeFigureOut">
               <a:rPr lang="es-ES" smtClean="0"/>
-              <a:t>04/09/2019</a:t>
+              <a:t>05/09/2019</a:t>
             </a:fld>
             <a:endParaRPr lang="es-ES"/>
           </a:p>
@@ -1248,7 +1248,7 @@
           <a:p>
             <a:fld id="{B84F09BF-D7C3-41CB-A1B7-67487A411715}" type="datetimeFigureOut">
               <a:rPr lang="es-ES" smtClean="0"/>
-              <a:t>04/09/2019</a:t>
+              <a:t>05/09/2019</a:t>
             </a:fld>
             <a:endParaRPr lang="es-ES"/>
           </a:p>
@@ -1418,7 +1418,7 @@
           <a:p>
             <a:fld id="{B84F09BF-D7C3-41CB-A1B7-67487A411715}" type="datetimeFigureOut">
               <a:rPr lang="es-ES" smtClean="0"/>
-              <a:t>04/09/2019</a:t>
+              <a:t>05/09/2019</a:t>
             </a:fld>
             <a:endParaRPr lang="es-ES"/>
           </a:p>
@@ -1664,7 +1664,7 @@
           <a:p>
             <a:fld id="{B84F09BF-D7C3-41CB-A1B7-67487A411715}" type="datetimeFigureOut">
               <a:rPr lang="es-ES" smtClean="0"/>
-              <a:t>04/09/2019</a:t>
+              <a:t>05/09/2019</a:t>
             </a:fld>
             <a:endParaRPr lang="es-ES"/>
           </a:p>
@@ -1952,7 +1952,7 @@
           <a:p>
             <a:fld id="{B84F09BF-D7C3-41CB-A1B7-67487A411715}" type="datetimeFigureOut">
               <a:rPr lang="es-ES" smtClean="0"/>
-              <a:t>04/09/2019</a:t>
+              <a:t>05/09/2019</a:t>
             </a:fld>
             <a:endParaRPr lang="es-ES"/>
           </a:p>
@@ -2379,7 +2379,7 @@
           <a:p>
             <a:fld id="{B84F09BF-D7C3-41CB-A1B7-67487A411715}" type="datetimeFigureOut">
               <a:rPr lang="es-ES" smtClean="0"/>
-              <a:t>04/09/2019</a:t>
+              <a:t>05/09/2019</a:t>
             </a:fld>
             <a:endParaRPr lang="es-ES"/>
           </a:p>
@@ -2497,7 +2497,7 @@
           <a:p>
             <a:fld id="{B84F09BF-D7C3-41CB-A1B7-67487A411715}" type="datetimeFigureOut">
               <a:rPr lang="es-ES" smtClean="0"/>
-              <a:t>04/09/2019</a:t>
+              <a:t>05/09/2019</a:t>
             </a:fld>
             <a:endParaRPr lang="es-ES"/>
           </a:p>
@@ -2592,7 +2592,7 @@
           <a:p>
             <a:fld id="{B84F09BF-D7C3-41CB-A1B7-67487A411715}" type="datetimeFigureOut">
               <a:rPr lang="es-ES" smtClean="0"/>
-              <a:t>04/09/2019</a:t>
+              <a:t>05/09/2019</a:t>
             </a:fld>
             <a:endParaRPr lang="es-ES"/>
           </a:p>
@@ -2869,7 +2869,7 @@
           <a:p>
             <a:fld id="{B84F09BF-D7C3-41CB-A1B7-67487A411715}" type="datetimeFigureOut">
               <a:rPr lang="es-ES" smtClean="0"/>
-              <a:t>04/09/2019</a:t>
+              <a:t>05/09/2019</a:t>
             </a:fld>
             <a:endParaRPr lang="es-ES"/>
           </a:p>
@@ -3122,7 +3122,7 @@
           <a:p>
             <a:fld id="{B84F09BF-D7C3-41CB-A1B7-67487A411715}" type="datetimeFigureOut">
               <a:rPr lang="es-ES" smtClean="0"/>
-              <a:t>04/09/2019</a:t>
+              <a:t>05/09/2019</a:t>
             </a:fld>
             <a:endParaRPr lang="es-ES"/>
           </a:p>
@@ -3335,7 +3335,7 @@
           <a:p>
             <a:fld id="{B84F09BF-D7C3-41CB-A1B7-67487A411715}" type="datetimeFigureOut">
               <a:rPr lang="es-ES" smtClean="0"/>
-              <a:t>04/09/2019</a:t>
+              <a:t>05/09/2019</a:t>
             </a:fld>
             <a:endParaRPr lang="es-ES"/>
           </a:p>
@@ -4321,13 +4321,6 @@
               </a:rPr>
               <a:t>desempeño.</a:t>
             </a:r>
-            <a:endParaRPr lang="es-MX" sz="1400" dirty="0">
-              <a:solidFill>
-                <a:schemeClr val="tx2">
-                  <a:lumMod val="50000"/>
-                </a:schemeClr>
-              </a:solidFill>
-            </a:endParaRPr>
           </a:p>
         </p:txBody>
       </p:sp>
@@ -4783,8 +4776,11 @@
                   </a:schemeClr>
                 </a:solidFill>
               </a:rPr>
-              <a:t>Agentes </a:t>
-            </a:r>
+              <a:t>Agentes físicos, químicos o biológicos o factores de riesgo ergonómico o psicosocial capaces de modificar las condiciones del ambiente laboral</a:t>
+            </a:r>
+          </a:p>
+          <a:p>
+            <a:pPr algn="just"/>
             <a:r>
               <a:rPr lang="es-MX" sz="2000" dirty="0">
                 <a:solidFill>
@@ -4793,7 +4789,30 @@
                   </a:schemeClr>
                 </a:solidFill>
               </a:rPr>
-              <a:t>físicos, químicos o biológicos </a:t>
+              <a:t>Peligros circundantes al centro de trabajo</a:t>
+            </a:r>
+            <a:r>
+              <a:rPr lang="es-MX" sz="2000" dirty="0" smtClean="0">
+                <a:solidFill>
+                  <a:schemeClr val="tx2">
+                    <a:lumMod val="50000"/>
+                  </a:schemeClr>
+                </a:solidFill>
+              </a:rPr>
+              <a:t>,</a:t>
+            </a:r>
+          </a:p>
+          <a:p>
+            <a:pPr algn="just"/>
+            <a:r>
+              <a:rPr lang="es-MX" sz="2000" dirty="0" smtClean="0">
+                <a:solidFill>
+                  <a:schemeClr val="tx2">
+                    <a:lumMod val="50000"/>
+                  </a:schemeClr>
+                </a:solidFill>
+              </a:rPr>
+              <a:t>El estado de cumplimiento de </a:t>
             </a:r>
             <a:r>
               <a:rPr lang="es-MX" sz="2000" dirty="0">
@@ -4803,7 +4822,17 @@
                   </a:schemeClr>
                 </a:solidFill>
               </a:rPr>
-              <a:t>o </a:t>
+              <a:t>los requerimientos normativos en materia </a:t>
+            </a:r>
+            <a:r>
+              <a:rPr lang="es-MX" sz="2000" dirty="0" smtClean="0">
+                <a:solidFill>
+                  <a:schemeClr val="tx2">
+                    <a:lumMod val="50000"/>
+                  </a:schemeClr>
+                </a:solidFill>
+              </a:rPr>
+              <a:t>de seguridad </a:t>
             </a:r>
             <a:r>
               <a:rPr lang="es-MX" sz="2000" dirty="0">
@@ -4813,131 +4842,8 @@
                   </a:schemeClr>
                 </a:solidFill>
               </a:rPr>
-              <a:t>factores de riesgo ergonómico o psicosocial capaces de modificar las </a:t>
-            </a:r>
-            <a:r>
-              <a:rPr lang="es-MX" sz="2000" dirty="0">
-                <a:solidFill>
-                  <a:schemeClr val="tx2">
-                    <a:lumMod val="50000"/>
-                  </a:schemeClr>
-                </a:solidFill>
-              </a:rPr>
-              <a:t>condiciones del </a:t>
-            </a:r>
-            <a:r>
-              <a:rPr lang="es-MX" sz="2000" dirty="0">
-                <a:solidFill>
-                  <a:schemeClr val="tx2">
-                    <a:lumMod val="50000"/>
-                  </a:schemeClr>
-                </a:solidFill>
-              </a:rPr>
-              <a:t>ambiente </a:t>
-            </a:r>
-            <a:r>
-              <a:rPr lang="es-MX" sz="2000" dirty="0">
-                <a:solidFill>
-                  <a:schemeClr val="tx2">
-                    <a:lumMod val="50000"/>
-                  </a:schemeClr>
-                </a:solidFill>
-              </a:rPr>
-              <a:t>laboral</a:t>
-            </a:r>
-          </a:p>
-          <a:p>
-            <a:pPr algn="just"/>
-            <a:r>
-              <a:rPr lang="es-MX" sz="2000" dirty="0">
-                <a:solidFill>
-                  <a:schemeClr val="tx2">
-                    <a:lumMod val="50000"/>
-                  </a:schemeClr>
-                </a:solidFill>
-              </a:rPr>
-              <a:t>Peligros </a:t>
-            </a:r>
-            <a:r>
-              <a:rPr lang="es-MX" sz="2000" dirty="0">
-                <a:solidFill>
-                  <a:schemeClr val="tx2">
-                    <a:lumMod val="50000"/>
-                  </a:schemeClr>
-                </a:solidFill>
-              </a:rPr>
-              <a:t>circundantes al centro de trabaj</a:t>
-            </a:r>
-            <a:r>
-              <a:rPr lang="es-MX" sz="2000" dirty="0">
-                <a:solidFill>
-                  <a:schemeClr val="tx2">
-                    <a:lumMod val="50000"/>
-                  </a:schemeClr>
-                </a:solidFill>
-              </a:rPr>
-              <a:t>o</a:t>
-            </a:r>
-            <a:r>
-              <a:rPr lang="es-MX" sz="2000" dirty="0" smtClean="0">
-                <a:solidFill>
-                  <a:schemeClr val="tx2">
-                    <a:lumMod val="50000"/>
-                  </a:schemeClr>
-                </a:solidFill>
-              </a:rPr>
-              <a:t>,</a:t>
-            </a:r>
-          </a:p>
-          <a:p>
-            <a:pPr algn="just"/>
-            <a:r>
-              <a:rPr lang="es-MX" sz="2000" dirty="0" smtClean="0">
-                <a:solidFill>
-                  <a:schemeClr val="tx2">
-                    <a:lumMod val="50000"/>
-                  </a:schemeClr>
-                </a:solidFill>
-              </a:rPr>
-              <a:t>El estado de cumplimiento de </a:t>
-            </a:r>
-            <a:r>
-              <a:rPr lang="es-MX" sz="2000" dirty="0">
-                <a:solidFill>
-                  <a:schemeClr val="tx2">
-                    <a:lumMod val="50000"/>
-                  </a:schemeClr>
-                </a:solidFill>
-              </a:rPr>
-              <a:t>los requerimientos normativos en materia </a:t>
-            </a:r>
-            <a:r>
-              <a:rPr lang="es-MX" sz="2000" dirty="0" smtClean="0">
-                <a:solidFill>
-                  <a:schemeClr val="tx2">
-                    <a:lumMod val="50000"/>
-                  </a:schemeClr>
-                </a:solidFill>
-              </a:rPr>
-              <a:t>de seguridad </a:t>
-            </a:r>
-            <a:r>
-              <a:rPr lang="es-MX" sz="2000" dirty="0">
-                <a:solidFill>
-                  <a:schemeClr val="tx2">
-                    <a:lumMod val="50000"/>
-                  </a:schemeClr>
-                </a:solidFill>
-              </a:rPr>
               <a:t>y salud en el trabajo que resulten aplicables.</a:t>
             </a:r>
-            <a:endParaRPr lang="es-MX" sz="2000" dirty="0">
-              <a:solidFill>
-                <a:schemeClr val="tx2">
-                  <a:lumMod val="50000"/>
-                </a:schemeClr>
-              </a:solidFill>
-            </a:endParaRPr>
           </a:p>
         </p:txBody>
       </p:sp>
@@ -5217,8 +5123,11 @@
                   </a:schemeClr>
                 </a:solidFill>
               </a:rPr>
-              <a:t>Agentes </a:t>
-            </a:r>
+              <a:t>Agentes físicos, químicos o biológicos o factores de riesgo ergonómico o psicosocial capaces de modificar las condiciones del ambiente laboral</a:t>
+            </a:r>
+          </a:p>
+          <a:p>
+            <a:pPr algn="just"/>
             <a:r>
               <a:rPr lang="es-MX" sz="2000" dirty="0">
                 <a:solidFill>
@@ -5227,7 +5136,30 @@
                   </a:schemeClr>
                 </a:solidFill>
               </a:rPr>
-              <a:t>físicos, químicos o biológicos </a:t>
+              <a:t>Peligros circundantes al centro de trabajo</a:t>
+            </a:r>
+            <a:r>
+              <a:rPr lang="es-MX" sz="2000" dirty="0" smtClean="0">
+                <a:solidFill>
+                  <a:schemeClr val="tx2">
+                    <a:lumMod val="50000"/>
+                  </a:schemeClr>
+                </a:solidFill>
+              </a:rPr>
+              <a:t>,</a:t>
+            </a:r>
+          </a:p>
+          <a:p>
+            <a:pPr algn="just"/>
+            <a:r>
+              <a:rPr lang="es-MX" sz="2000" dirty="0" smtClean="0">
+                <a:solidFill>
+                  <a:schemeClr val="tx2">
+                    <a:lumMod val="50000"/>
+                  </a:schemeClr>
+                </a:solidFill>
+              </a:rPr>
+              <a:t>El estado de cumplimiento de </a:t>
             </a:r>
             <a:r>
               <a:rPr lang="es-MX" sz="2000" dirty="0">
@@ -5237,7 +5169,17 @@
                   </a:schemeClr>
                 </a:solidFill>
               </a:rPr>
-              <a:t>o </a:t>
+              <a:t>los requerimientos normativos en materia </a:t>
+            </a:r>
+            <a:r>
+              <a:rPr lang="es-MX" sz="2000" dirty="0" smtClean="0">
+                <a:solidFill>
+                  <a:schemeClr val="tx2">
+                    <a:lumMod val="50000"/>
+                  </a:schemeClr>
+                </a:solidFill>
+              </a:rPr>
+              <a:t>de seguridad </a:t>
             </a:r>
             <a:r>
               <a:rPr lang="es-MX" sz="2000" dirty="0">
@@ -5247,131 +5189,8 @@
                   </a:schemeClr>
                 </a:solidFill>
               </a:rPr>
-              <a:t>factores de riesgo ergonómico o psicosocial capaces de modificar las </a:t>
-            </a:r>
-            <a:r>
-              <a:rPr lang="es-MX" sz="2000" dirty="0">
-                <a:solidFill>
-                  <a:schemeClr val="tx2">
-                    <a:lumMod val="50000"/>
-                  </a:schemeClr>
-                </a:solidFill>
-              </a:rPr>
-              <a:t>condiciones del </a:t>
-            </a:r>
-            <a:r>
-              <a:rPr lang="es-MX" sz="2000" dirty="0">
-                <a:solidFill>
-                  <a:schemeClr val="tx2">
-                    <a:lumMod val="50000"/>
-                  </a:schemeClr>
-                </a:solidFill>
-              </a:rPr>
-              <a:t>ambiente </a:t>
-            </a:r>
-            <a:r>
-              <a:rPr lang="es-MX" sz="2000" dirty="0">
-                <a:solidFill>
-                  <a:schemeClr val="tx2">
-                    <a:lumMod val="50000"/>
-                  </a:schemeClr>
-                </a:solidFill>
-              </a:rPr>
-              <a:t>laboral</a:t>
-            </a:r>
-          </a:p>
-          <a:p>
-            <a:pPr algn="just"/>
-            <a:r>
-              <a:rPr lang="es-MX" sz="2000" dirty="0">
-                <a:solidFill>
-                  <a:schemeClr val="tx2">
-                    <a:lumMod val="50000"/>
-                  </a:schemeClr>
-                </a:solidFill>
-              </a:rPr>
-              <a:t>Peligros </a:t>
-            </a:r>
-            <a:r>
-              <a:rPr lang="es-MX" sz="2000" dirty="0">
-                <a:solidFill>
-                  <a:schemeClr val="tx2">
-                    <a:lumMod val="50000"/>
-                  </a:schemeClr>
-                </a:solidFill>
-              </a:rPr>
-              <a:t>circundantes al centro de trabaj</a:t>
-            </a:r>
-            <a:r>
-              <a:rPr lang="es-MX" sz="2000" dirty="0">
-                <a:solidFill>
-                  <a:schemeClr val="tx2">
-                    <a:lumMod val="50000"/>
-                  </a:schemeClr>
-                </a:solidFill>
-              </a:rPr>
-              <a:t>o</a:t>
-            </a:r>
-            <a:r>
-              <a:rPr lang="es-MX" sz="2000" dirty="0" smtClean="0">
-                <a:solidFill>
-                  <a:schemeClr val="tx2">
-                    <a:lumMod val="50000"/>
-                  </a:schemeClr>
-                </a:solidFill>
-              </a:rPr>
-              <a:t>,</a:t>
-            </a:r>
-          </a:p>
-          <a:p>
-            <a:pPr algn="just"/>
-            <a:r>
-              <a:rPr lang="es-MX" sz="2000" dirty="0" smtClean="0">
-                <a:solidFill>
-                  <a:schemeClr val="tx2">
-                    <a:lumMod val="50000"/>
-                  </a:schemeClr>
-                </a:solidFill>
-              </a:rPr>
-              <a:t>El estado de cumplimiento de </a:t>
-            </a:r>
-            <a:r>
-              <a:rPr lang="es-MX" sz="2000" dirty="0">
-                <a:solidFill>
-                  <a:schemeClr val="tx2">
-                    <a:lumMod val="50000"/>
-                  </a:schemeClr>
-                </a:solidFill>
-              </a:rPr>
-              <a:t>los requerimientos normativos en materia </a:t>
-            </a:r>
-            <a:r>
-              <a:rPr lang="es-MX" sz="2000" dirty="0" smtClean="0">
-                <a:solidFill>
-                  <a:schemeClr val="tx2">
-                    <a:lumMod val="50000"/>
-                  </a:schemeClr>
-                </a:solidFill>
-              </a:rPr>
-              <a:t>de seguridad </a:t>
-            </a:r>
-            <a:r>
-              <a:rPr lang="es-MX" sz="2000" dirty="0">
-                <a:solidFill>
-                  <a:schemeClr val="tx2">
-                    <a:lumMod val="50000"/>
-                  </a:schemeClr>
-                </a:solidFill>
-              </a:rPr>
               <a:t>y salud en el trabajo que resulten aplicables.</a:t>
             </a:r>
-            <a:endParaRPr lang="es-MX" sz="2000" dirty="0">
-              <a:solidFill>
-                <a:schemeClr val="tx2">
-                  <a:lumMod val="50000"/>
-                </a:schemeClr>
-              </a:solidFill>
-            </a:endParaRPr>
           </a:p>
         </p:txBody>
       </p:sp>
@@ -6365,13 +6184,6 @@
               </a:rPr>
               <a:t>negativas en el trabajo.</a:t>
             </a:r>
-            <a:endParaRPr lang="es-MX" sz="1600" dirty="0">
-              <a:solidFill>
-                <a:schemeClr val="tx1">
-                  <a:lumMod val="50000"/>
-                </a:schemeClr>
-              </a:solidFill>
-            </a:endParaRPr>
           </a:p>
         </p:txBody>
       </p:sp>
@@ -7144,13 +6956,6 @@
               </a:rPr>
               <a:t>o salud.</a:t>
             </a:r>
-            <a:endParaRPr lang="es-MX" sz="2700" dirty="0">
-              <a:solidFill>
-                <a:schemeClr val="tx1">
-                  <a:lumMod val="50000"/>
-                </a:schemeClr>
-              </a:solidFill>
-            </a:endParaRPr>
           </a:p>
         </p:txBody>
       </p:sp>
@@ -7893,13 +7698,6 @@
               </a:rPr>
               <a:t>.</a:t>
             </a:r>
-            <a:endParaRPr lang="es-MX" sz="2500" dirty="0">
-              <a:solidFill>
-                <a:schemeClr val="tx1">
-                  <a:lumMod val="50000"/>
-                </a:schemeClr>
-              </a:solidFill>
-            </a:endParaRPr>
           </a:p>
         </p:txBody>
       </p:sp>
@@ -8109,7 +7907,7 @@
               <a:hlinkClick r:id="rId3">
                 <a:extLst>
                   <a:ext uri="{A12FA001-AC4F-418D-AE19-62706E023703}">
-                    <ahyp:hlinkClr xmlns="" xmlns:ahyp="http://schemas.microsoft.com/office/drawing/2018/hyperlinkcolor" xmlns:lc="http://schemas.openxmlformats.org/drawingml/2006/lockedCanvas" val="tx"/>
+                    <ahyp:hlinkClr xmlns:lc="http://schemas.openxmlformats.org/drawingml/2006/lockedCanvas" xmlns:ahyp="http://schemas.microsoft.com/office/drawing/2018/hyperlinkcolor" xmlns="" val="tx"/>
                   </a:ext>
                 </a:extLst>
               </a:hlinkClick>
@@ -8454,8 +8252,8 @@
         </p:nvSpPr>
         <p:spPr>
           <a:xfrm>
-            <a:off x="273844" y="1504950"/>
-            <a:ext cx="533400" cy="533400"/>
+            <a:off x="152400" y="1044179"/>
+            <a:ext cx="457200" cy="429220"/>
           </a:xfrm>
           <a:prstGeom prst="ellipse">
             <a:avLst/>
@@ -8496,393 +8294,666 @@
         </p:nvSpPr>
         <p:spPr>
           <a:xfrm>
-            <a:off x="292894" y="1490662"/>
-            <a:ext cx="8229600" cy="2632472"/>
+            <a:off x="309562" y="1075730"/>
+            <a:ext cx="8622506" cy="2632472"/>
           </a:xfrm>
         </p:spPr>
         <p:txBody>
           <a:bodyPr>
-            <a:normAutofit fontScale="25000" lnSpcReduction="20000"/>
+            <a:noAutofit/>
           </a:bodyPr>
           <a:lstStyle/>
           <a:p>
-            <a:pPr marL="514350" indent="-514350">
-              <a:buAutoNum type="arabicPeriod" startAt="2"/>
-            </a:pPr>
-            <a:r>
-              <a:rPr lang="es-MX" dirty="0" smtClean="0"/>
+            <a:pPr marL="0" indent="0" algn="just">
+              <a:buNone/>
+            </a:pPr>
+            <a:r>
+              <a:rPr lang="es-MX" sz="1800" dirty="0" smtClean="0"/>
+              <a:t>2.  </a:t>
+            </a:r>
+            <a:r>
+              <a:rPr lang="es-MX" sz="1800" dirty="0" smtClean="0">
+                <a:solidFill>
+                  <a:schemeClr val="tx2">
+                    <a:lumMod val="50000"/>
+                  </a:schemeClr>
+                </a:solidFill>
+              </a:rPr>
               <a:t>Identificar </a:t>
             </a:r>
             <a:r>
-              <a:rPr lang="es-MX" dirty="0"/>
+              <a:rPr lang="es-MX" sz="1800" dirty="0">
+                <a:solidFill>
+                  <a:schemeClr val="tx2">
+                    <a:lumMod val="50000"/>
+                  </a:schemeClr>
+                </a:solidFill>
+              </a:rPr>
               <a:t>y analizar los factores de riesgo </a:t>
             </a:r>
             <a:r>
-              <a:rPr lang="es-MX" dirty="0" smtClean="0"/>
+              <a:rPr lang="es-MX" sz="1800" dirty="0" smtClean="0">
+                <a:solidFill>
+                  <a:schemeClr val="tx2">
+                    <a:lumMod val="50000"/>
+                  </a:schemeClr>
+                </a:solidFill>
+              </a:rPr>
               <a:t>psicosocial</a:t>
             </a:r>
             <a:r>
-              <a:rPr lang="es-MX" dirty="0"/>
+              <a:rPr lang="es-MX" sz="1800" dirty="0">
+                <a:solidFill>
+                  <a:schemeClr val="tx2">
+                    <a:lumMod val="50000"/>
+                  </a:schemeClr>
+                </a:solidFill>
+              </a:rPr>
               <a:t>, </a:t>
             </a:r>
             <a:r>
-              <a:rPr lang="es-MX" dirty="0" smtClean="0"/>
+              <a:rPr lang="es-MX" sz="1800" dirty="0" smtClean="0">
+                <a:solidFill>
+                  <a:schemeClr val="tx2">
+                    <a:lumMod val="50000"/>
+                  </a:schemeClr>
+                </a:solidFill>
+              </a:rPr>
               <a:t>tomando en cuenta:</a:t>
             </a:r>
           </a:p>
           <a:p>
-            <a:r>
-              <a:rPr lang="es-MX" dirty="0" smtClean="0"/>
-              <a:t>A) La detección de condiciones </a:t>
-            </a:r>
-            <a:r>
-              <a:rPr lang="es-MX" dirty="0"/>
-              <a:t>peligrosas e inseguras o deficientes e </a:t>
-            </a:r>
-            <a:r>
-              <a:rPr lang="es-MX" dirty="0" smtClean="0"/>
-              <a:t>insalubres).</a:t>
-            </a:r>
-          </a:p>
-          <a:p>
-            <a:r>
-              <a:rPr lang="es-MX" dirty="0" smtClean="0"/>
+            <a:pPr marL="0" indent="0" algn="just">
+              <a:buNone/>
+            </a:pPr>
+            <a:r>
+              <a:rPr lang="es-MX" sz="1800" dirty="0">
+                <a:solidFill>
+                  <a:schemeClr val="tx2">
+                    <a:lumMod val="50000"/>
+                  </a:schemeClr>
+                </a:solidFill>
+              </a:rPr>
+              <a:t>	</a:t>
+            </a:r>
+            <a:r>
+              <a:rPr lang="es-MX" sz="1800" b="1" dirty="0" smtClean="0">
+                <a:solidFill>
+                  <a:schemeClr val="tx2">
+                    <a:lumMod val="50000"/>
+                  </a:schemeClr>
+                </a:solidFill>
+              </a:rPr>
+              <a:t>A</a:t>
+            </a:r>
+            <a:r>
+              <a:rPr lang="es-MX" sz="1800" b="1" dirty="0" smtClean="0">
+                <a:solidFill>
+                  <a:schemeClr val="tx2">
+                    <a:lumMod val="50000"/>
+                  </a:schemeClr>
+                </a:solidFill>
+              </a:rPr>
+              <a:t>) </a:t>
+            </a:r>
+            <a:r>
+              <a:rPr lang="es-MX" sz="1800" dirty="0" smtClean="0">
+                <a:solidFill>
+                  <a:schemeClr val="tx2">
+                    <a:lumMod val="50000"/>
+                  </a:schemeClr>
+                </a:solidFill>
+              </a:rPr>
+              <a:t>La existencia de </a:t>
+            </a:r>
+            <a:r>
+              <a:rPr lang="es-MX" sz="1800" b="1" dirty="0" smtClean="0">
+                <a:solidFill>
+                  <a:schemeClr val="tx1">
+                    <a:lumMod val="75000"/>
+                  </a:schemeClr>
+                </a:solidFill>
+              </a:rPr>
+              <a:t>condiciones de trabajo peligrosas, </a:t>
+            </a:r>
+            <a:r>
+              <a:rPr lang="es-MX" sz="1800" b="1" dirty="0">
+                <a:solidFill>
+                  <a:schemeClr val="tx1">
+                    <a:lumMod val="75000"/>
+                  </a:schemeClr>
+                </a:solidFill>
+              </a:rPr>
+              <a:t>deficientes e </a:t>
+            </a:r>
+            <a:r>
+              <a:rPr lang="es-MX" sz="1800" b="1" dirty="0" smtClean="0">
+                <a:solidFill>
+                  <a:schemeClr val="tx1">
+                    <a:lumMod val="75000"/>
+                  </a:schemeClr>
+                </a:solidFill>
+              </a:rPr>
+              <a:t>insalubres</a:t>
+            </a:r>
+            <a:r>
+              <a:rPr lang="es-MX" sz="1800" dirty="0" smtClean="0">
+                <a:solidFill>
+                  <a:schemeClr val="tx2">
+                    <a:lumMod val="50000"/>
+                  </a:schemeClr>
+                </a:solidFill>
+              </a:rPr>
+              <a:t>.</a:t>
+            </a:r>
+          </a:p>
+          <a:p>
+            <a:pPr marL="0" indent="0" algn="just">
+              <a:buNone/>
+            </a:pPr>
+            <a:r>
+              <a:rPr lang="es-MX" sz="1800" dirty="0" smtClean="0">
+                <a:solidFill>
+                  <a:schemeClr val="tx2">
+                    <a:lumMod val="50000"/>
+                  </a:schemeClr>
+                </a:solidFill>
+              </a:rPr>
+              <a:t>	B</a:t>
+            </a:r>
+            <a:r>
+              <a:rPr lang="es-MX" sz="1800" b="1" dirty="0" smtClean="0">
+                <a:solidFill>
+                  <a:schemeClr val="tx2">
+                    <a:lumMod val="50000"/>
+                  </a:schemeClr>
+                </a:solidFill>
+              </a:rPr>
+              <a:t>) </a:t>
+            </a:r>
+            <a:r>
+              <a:rPr lang="es-MX" sz="1800" b="1" dirty="0" smtClean="0">
+                <a:solidFill>
+                  <a:schemeClr val="tx1">
+                    <a:lumMod val="75000"/>
+                  </a:schemeClr>
+                </a:solidFill>
+              </a:rPr>
+              <a:t>Cargas </a:t>
+            </a:r>
+            <a:r>
+              <a:rPr lang="es-MX" sz="1800" b="1" dirty="0">
+                <a:solidFill>
+                  <a:schemeClr val="tx1">
+                    <a:lumMod val="75000"/>
+                  </a:schemeClr>
+                </a:solidFill>
+              </a:rPr>
+              <a:t>de </a:t>
+            </a:r>
+            <a:r>
+              <a:rPr lang="es-MX" sz="1800" b="1" dirty="0">
+                <a:solidFill>
+                  <a:schemeClr val="tx1">
+                    <a:lumMod val="75000"/>
+                  </a:schemeClr>
+                </a:solidFill>
+              </a:rPr>
+              <a:t>trabajo </a:t>
+            </a:r>
+            <a:r>
+              <a:rPr lang="es-MX" sz="1800" dirty="0">
+                <a:solidFill>
+                  <a:schemeClr val="tx2">
+                    <a:lumMod val="50000"/>
+                  </a:schemeClr>
+                </a:solidFill>
+              </a:rPr>
+              <a:t>(cuantitativas, cognitivas o mentales, emocionales, de </a:t>
+            </a:r>
+            <a:r>
+              <a:rPr lang="es-MX" sz="1800" dirty="0" smtClean="0">
+                <a:solidFill>
+                  <a:schemeClr val="tx2">
+                    <a:lumMod val="50000"/>
+                  </a:schemeClr>
+                </a:solidFill>
+              </a:rPr>
+              <a:t>	     	responsabilidad) </a:t>
+            </a:r>
+            <a:r>
+              <a:rPr lang="es-MX" sz="1800" dirty="0" smtClean="0">
+                <a:solidFill>
+                  <a:schemeClr val="tx2">
+                    <a:lumMod val="50000"/>
+                  </a:schemeClr>
+                </a:solidFill>
+              </a:rPr>
+              <a:t>que excedan la capacidad de los trabajadores </a:t>
+            </a:r>
+          </a:p>
+          <a:p>
+            <a:pPr marL="0" indent="0" algn="just">
+              <a:buNone/>
+            </a:pPr>
+            <a:r>
+              <a:rPr lang="es-MX" sz="1800" b="1" dirty="0" smtClean="0">
+                <a:solidFill>
+                  <a:schemeClr val="tx2">
+                    <a:lumMod val="50000"/>
+                  </a:schemeClr>
+                </a:solidFill>
+              </a:rPr>
+              <a:t>	c</a:t>
+            </a:r>
+            <a:r>
+              <a:rPr lang="es-MX" sz="1800" b="1" dirty="0">
+                <a:solidFill>
+                  <a:schemeClr val="tx2">
+                    <a:lumMod val="50000"/>
+                  </a:schemeClr>
+                </a:solidFill>
+              </a:rPr>
+              <a:t>) </a:t>
+            </a:r>
+            <a:r>
+              <a:rPr lang="es-MX" sz="1800" dirty="0" smtClean="0">
+                <a:solidFill>
+                  <a:schemeClr val="tx2">
+                    <a:lumMod val="50000"/>
+                  </a:schemeClr>
+                </a:solidFill>
+              </a:rPr>
+              <a:t>La </a:t>
+            </a:r>
+            <a:r>
+              <a:rPr lang="es-MX" sz="1800" b="1" dirty="0">
+                <a:solidFill>
+                  <a:schemeClr val="tx1">
+                    <a:lumMod val="75000"/>
+                  </a:schemeClr>
+                </a:solidFill>
+              </a:rPr>
+              <a:t>falta de control </a:t>
+            </a:r>
+            <a:r>
+              <a:rPr lang="es-MX" sz="1800" dirty="0" smtClean="0">
+                <a:solidFill>
+                  <a:schemeClr val="tx2">
+                    <a:lumMod val="50000"/>
+                  </a:schemeClr>
+                </a:solidFill>
+              </a:rPr>
+              <a:t>por parte de los trabajadores </a:t>
+            </a:r>
+            <a:r>
+              <a:rPr lang="es-MX" sz="1800" dirty="0" smtClean="0">
+                <a:solidFill>
+                  <a:schemeClr val="tx2">
+                    <a:lumMod val="50000"/>
+                  </a:schemeClr>
+                </a:solidFill>
+              </a:rPr>
+              <a:t>(nula consideración en la 	toma de decisiones y planificación de las labores a realizar)</a:t>
+            </a:r>
+          </a:p>
+          <a:p>
+            <a:pPr marL="0" indent="0" algn="just">
+              <a:buNone/>
+            </a:pPr>
+            <a:r>
+              <a:rPr lang="es-MX" sz="1800" b="1" dirty="0">
+                <a:solidFill>
+                  <a:schemeClr val="tx2">
+                    <a:lumMod val="50000"/>
+                  </a:schemeClr>
+                </a:solidFill>
+              </a:rPr>
+              <a:t>	</a:t>
+            </a:r>
+            <a:r>
+              <a:rPr lang="es-MX" sz="1800" b="1" dirty="0" smtClean="0">
+                <a:solidFill>
+                  <a:schemeClr val="tx2">
+                    <a:lumMod val="50000"/>
+                  </a:schemeClr>
+                </a:solidFill>
+              </a:rPr>
+              <a:t>d</a:t>
+            </a:r>
+            <a:r>
+              <a:rPr lang="es-MX" sz="1800" b="1" dirty="0">
+                <a:solidFill>
+                  <a:schemeClr val="tx2">
+                    <a:lumMod val="50000"/>
+                  </a:schemeClr>
+                </a:solidFill>
+              </a:rPr>
+              <a:t>) </a:t>
+            </a:r>
+            <a:r>
+              <a:rPr lang="es-MX" sz="1800" b="1" dirty="0" smtClean="0">
+                <a:solidFill>
+                  <a:schemeClr val="tx1">
+                    <a:lumMod val="75000"/>
+                  </a:schemeClr>
+                </a:solidFill>
+              </a:rPr>
+              <a:t>Jornadas </a:t>
+            </a:r>
+            <a:r>
+              <a:rPr lang="es-MX" sz="1800" b="1" dirty="0">
+                <a:solidFill>
+                  <a:schemeClr val="tx1">
+                    <a:lumMod val="75000"/>
+                  </a:schemeClr>
+                </a:solidFill>
+              </a:rPr>
+              <a:t>de trabajo y rotación </a:t>
+            </a:r>
+            <a:r>
+              <a:rPr lang="es-MX" sz="1800" dirty="0">
+                <a:solidFill>
+                  <a:schemeClr val="tx2">
+                    <a:lumMod val="50000"/>
+                  </a:schemeClr>
+                </a:solidFill>
+              </a:rPr>
+              <a:t>de turnos que </a:t>
+            </a:r>
+            <a:r>
+              <a:rPr lang="es-MX" sz="1800" dirty="0" smtClean="0">
+                <a:solidFill>
+                  <a:schemeClr val="tx2">
+                    <a:lumMod val="50000"/>
+                  </a:schemeClr>
+                </a:solidFill>
+              </a:rPr>
+              <a:t>excedan </a:t>
+            </a:r>
+            <a:r>
+              <a:rPr lang="es-MX" sz="1800" dirty="0">
+                <a:solidFill>
+                  <a:schemeClr val="tx2">
+                    <a:lumMod val="50000"/>
+                  </a:schemeClr>
+                </a:solidFill>
+              </a:rPr>
+              <a:t>lo establecido en la </a:t>
+            </a:r>
+            <a:r>
+              <a:rPr lang="es-MX" sz="1800" dirty="0" smtClean="0">
+                <a:solidFill>
+                  <a:schemeClr val="tx2">
+                    <a:lumMod val="50000"/>
+                  </a:schemeClr>
+                </a:solidFill>
+              </a:rPr>
+              <a:t>	Ley </a:t>
+            </a:r>
+            <a:r>
+              <a:rPr lang="es-MX" sz="1800" dirty="0">
+                <a:solidFill>
+                  <a:schemeClr val="tx2">
+                    <a:lumMod val="50000"/>
+                  </a:schemeClr>
+                </a:solidFill>
+              </a:rPr>
+              <a:t>Federal del Trabajo. </a:t>
+            </a:r>
+            <a:r>
+              <a:rPr lang="es-MX" sz="1800" b="1" dirty="0">
+                <a:solidFill>
+                  <a:schemeClr val="tx2">
+                    <a:lumMod val="50000"/>
+                  </a:schemeClr>
+                </a:solidFill>
+              </a:rPr>
+              <a:t>	</a:t>
+            </a:r>
+            <a:endParaRPr lang="es-MX" sz="1800" b="1" dirty="0" smtClean="0">
+              <a:solidFill>
+                <a:schemeClr val="tx2">
+                  <a:lumMod val="50000"/>
+                </a:schemeClr>
+              </a:solidFill>
+            </a:endParaRPr>
+          </a:p>
+          <a:p>
+            <a:pPr marL="0" indent="0" algn="just">
+              <a:buNone/>
+            </a:pPr>
+            <a:r>
+              <a:rPr lang="es-MX" sz="1800" b="1" dirty="0" smtClean="0">
+                <a:solidFill>
+                  <a:schemeClr val="tx2">
+                    <a:lumMod val="50000"/>
+                  </a:schemeClr>
+                </a:solidFill>
+              </a:rPr>
+              <a:t>	e</a:t>
+            </a:r>
+            <a:r>
+              <a:rPr lang="es-MX" sz="1800" b="1" dirty="0">
+                <a:solidFill>
+                  <a:schemeClr val="tx2">
+                    <a:lumMod val="50000"/>
+                  </a:schemeClr>
+                </a:solidFill>
+              </a:rPr>
+              <a:t>) </a:t>
+            </a:r>
+            <a:r>
+              <a:rPr lang="es-MX" sz="1800" dirty="0">
+                <a:solidFill>
+                  <a:schemeClr val="tx2">
+                    <a:lumMod val="50000"/>
+                  </a:schemeClr>
+                </a:solidFill>
+              </a:rPr>
+              <a:t>Interferencia en la </a:t>
+            </a:r>
+            <a:r>
+              <a:rPr lang="es-MX" sz="1800" b="1" dirty="0">
+                <a:solidFill>
+                  <a:schemeClr val="tx1">
+                    <a:lumMod val="75000"/>
+                  </a:schemeClr>
+                </a:solidFill>
+              </a:rPr>
+              <a:t>relación </a:t>
+            </a:r>
+            <a:r>
+              <a:rPr lang="es-MX" sz="1800" b="1" dirty="0" smtClean="0">
+                <a:solidFill>
+                  <a:schemeClr val="tx1">
+                    <a:lumMod val="75000"/>
+                  </a:schemeClr>
+                </a:solidFill>
+              </a:rPr>
+              <a:t>trabajo-familia</a:t>
+            </a:r>
+            <a:r>
+              <a:rPr lang="es-MX" sz="1800" dirty="0">
+                <a:solidFill>
+                  <a:schemeClr val="tx2">
+                    <a:lumMod val="50000"/>
+                  </a:schemeClr>
+                </a:solidFill>
+              </a:rPr>
+              <a:t>.</a:t>
+            </a:r>
+            <a:r>
+              <a:rPr lang="es-MX" sz="1800" dirty="0" smtClean="0">
+                <a:solidFill>
+                  <a:schemeClr val="tx2">
+                    <a:lumMod val="50000"/>
+                  </a:schemeClr>
+                </a:solidFill>
+              </a:rPr>
               <a:t> </a:t>
             </a:r>
-            <a:r>
-              <a:rPr lang="es-MX" b="1" dirty="0" smtClean="0"/>
-              <a:t>b</a:t>
-            </a:r>
-            <a:r>
-              <a:rPr lang="es-MX" b="1" dirty="0"/>
+            <a:endParaRPr lang="es-MX" sz="1800" dirty="0">
+              <a:solidFill>
+                <a:schemeClr val="tx2">
+                  <a:lumMod val="50000"/>
+                </a:schemeClr>
+              </a:solidFill>
+            </a:endParaRPr>
+          </a:p>
+          <a:p>
+            <a:pPr marL="0" indent="0" algn="just">
+              <a:buNone/>
+            </a:pPr>
+            <a:r>
+              <a:rPr lang="es-MX" sz="1800" b="1" dirty="0">
+                <a:solidFill>
+                  <a:schemeClr val="tx2">
+                    <a:lumMod val="50000"/>
+                  </a:schemeClr>
+                </a:solidFill>
+              </a:rPr>
+              <a:t>	</a:t>
+            </a:r>
+            <a:r>
+              <a:rPr lang="es-MX" sz="1800" b="1" dirty="0" smtClean="0">
+                <a:solidFill>
+                  <a:schemeClr val="tx2">
+                    <a:lumMod val="50000"/>
+                  </a:schemeClr>
+                </a:solidFill>
+              </a:rPr>
+              <a:t>f</a:t>
+            </a:r>
+            <a:r>
+              <a:rPr lang="es-MX" sz="1800" b="1" dirty="0">
+                <a:solidFill>
+                  <a:schemeClr val="tx2">
+                    <a:lumMod val="50000"/>
+                  </a:schemeClr>
+                </a:solidFill>
+              </a:rPr>
               <a:t>) </a:t>
             </a:r>
             <a:r>
-              <a:rPr lang="es-MX" dirty="0"/>
-              <a:t>Las cargas de trabajo. Se refieren a las exigencias que el trabajo impone al trabajador y que exceden su capacidad,</a:t>
-            </a:r>
-          </a:p>
-          <a:p>
-            <a:r>
-              <a:rPr lang="es-MX" dirty="0"/>
-              <a:t>pueden ser de diversa naturaleza, como cuantitativas, cognitivas o mentales, emocionales, de responsabilidad, así como</a:t>
-            </a:r>
-          </a:p>
-          <a:p>
-            <a:r>
-              <a:rPr lang="es-MX" dirty="0"/>
-              <a:t>cargas contradictorias o inconsistentes;</a:t>
-            </a:r>
-          </a:p>
-          <a:p>
-            <a:r>
-              <a:rPr lang="es-MX" b="1" dirty="0"/>
-              <a:t>c) </a:t>
-            </a:r>
-            <a:r>
-              <a:rPr lang="es-MX" dirty="0"/>
-              <a:t>La falta de control sobre el trabajo. El control sobre el trabajo es la posibilidad que tiene el trabajador para influir y tomar</a:t>
-            </a:r>
-          </a:p>
-          <a:p>
-            <a:r>
-              <a:rPr lang="es-MX" dirty="0"/>
-              <a:t>decisiones en la realización de sus actividades. La iniciativa y autonomía, el uso y desarrollo de habilidades y</a:t>
-            </a:r>
-          </a:p>
-          <a:p>
-            <a:r>
-              <a:rPr lang="es-MX" dirty="0"/>
-              <a:t>conocimientos, la participación y manejo del cambio, así como la capacitación son aspectos que dan al trabajador la</a:t>
-            </a:r>
-          </a:p>
-          <a:p>
-            <a:r>
-              <a:rPr lang="es-MX" dirty="0"/>
-              <a:t>posibilidad de influir sobre su trabajo. Estos elementos, cuando son inexistentes o escasos, se convierten en un factor de</a:t>
-            </a:r>
-          </a:p>
-          <a:p>
-            <a:r>
-              <a:rPr lang="es-MX" dirty="0"/>
-              <a:t>riesgo.</a:t>
-            </a:r>
-          </a:p>
-          <a:p>
-            <a:r>
-              <a:rPr lang="es-MX" dirty="0"/>
-              <a:t>La falta de control se denomina como la escasa o inexistente posibilidad que tiene el trabajador para influir y tomar</a:t>
-            </a:r>
-          </a:p>
-          <a:p>
-            <a:r>
-              <a:rPr lang="es-MX" dirty="0"/>
-              <a:t>decisiones sobre los diversos aspectos que intervienen en la realización de sus actividades. Contrario a esto, la iniciativa</a:t>
-            </a:r>
-          </a:p>
-          <a:p>
-            <a:r>
-              <a:rPr lang="es-MX" dirty="0"/>
-              <a:t>4/2/2019 Diario Oficial de la Federación</a:t>
-            </a:r>
-          </a:p>
-          <a:p>
-            <a:r>
-              <a:rPr lang="es-MX" dirty="0"/>
-              <a:t>http://diariooficial.gob.mx/nota_detalle.php?codigo=5541828&amp;fecha=23/10/2018&amp;print=true 5/41</a:t>
-            </a:r>
-          </a:p>
-          <a:p>
-            <a:r>
-              <a:rPr lang="es-MX" dirty="0"/>
-              <a:t>y autonomía, el uso y desarrollo de habilidades y conocimientos, la participación y el manejo del cambio y la capacitación</a:t>
-            </a:r>
-          </a:p>
-          <a:p>
-            <a:r>
-              <a:rPr lang="es-MX" dirty="0"/>
-              <a:t>son elementos que dan al trabajador la posibilidad de influir sobre su trabajo.</a:t>
-            </a:r>
-          </a:p>
-          <a:p>
-            <a:r>
-              <a:rPr lang="es-MX" dirty="0"/>
-              <a:t>Este factor de riesgo sólo aplica en aquellos procesos y/o actividades en los que se requiere toma de decisiones y el</a:t>
-            </a:r>
-          </a:p>
-          <a:p>
-            <a:r>
-              <a:rPr lang="es-MX" dirty="0"/>
-              <a:t>trabajador cuenta con conocimientos y experiencia necesaria para tal efecto;</a:t>
-            </a:r>
-          </a:p>
-          <a:p>
-            <a:r>
-              <a:rPr lang="es-MX" b="1" dirty="0"/>
-              <a:t>d) </a:t>
-            </a:r>
-            <a:r>
-              <a:rPr lang="es-MX" dirty="0"/>
-              <a:t>Las jornadas de trabajo y rotación de turnos que exceden lo establecido en la Ley Federal del Trabajo. Representan una</a:t>
-            </a:r>
-          </a:p>
-          <a:p>
-            <a:r>
-              <a:rPr lang="es-MX" dirty="0"/>
-              <a:t>exigencia de tiempo laboral que se hace al trabajador en términos de la duración y el horario de la jornada, se convierte</a:t>
-            </a:r>
-          </a:p>
-          <a:p>
-            <a:r>
-              <a:rPr lang="es-MX" dirty="0"/>
-              <a:t>en factor de riesgo psicosocial cuando se trabaja con extensas jornadas, con frecuente rotación de turnos o turnos</a:t>
-            </a:r>
-          </a:p>
-          <a:p>
-            <a:r>
-              <a:rPr lang="es-MX" dirty="0"/>
-              <a:t>nocturnos, sin pausas y descansos periódicos claramente establecidos y ni medidas de prevención y protección del</a:t>
-            </a:r>
-          </a:p>
-          <a:p>
-            <a:r>
-              <a:rPr lang="es-MX" dirty="0"/>
-              <a:t>trabajador para detectar afectación de su salud, de manera temprana;</a:t>
-            </a:r>
-          </a:p>
-          <a:p>
-            <a:r>
-              <a:rPr lang="es-MX" b="1" dirty="0"/>
-              <a:t>e) </a:t>
-            </a:r>
-            <a:r>
-              <a:rPr lang="es-MX" dirty="0"/>
-              <a:t>Interferencia en la relación </a:t>
-            </a:r>
-            <a:r>
-              <a:rPr lang="es-MX" dirty="0" err="1"/>
-              <a:t>trabajofamilia</a:t>
-            </a:r>
-            <a:r>
-              <a:rPr lang="es-MX" dirty="0"/>
-              <a:t>.</a:t>
-            </a:r>
-          </a:p>
-          <a:p>
-            <a:r>
-              <a:rPr lang="es-MX" dirty="0"/>
-              <a:t>Surge cuando existe conflicto entre las actividades familiares o personales y</a:t>
-            </a:r>
-          </a:p>
-          <a:p>
-            <a:r>
-              <a:rPr lang="es-MX" dirty="0"/>
-              <a:t>las responsabilidades laborales; es decir, cuando de manera constante se tienen que atender responsabilidades</a:t>
-            </a:r>
-          </a:p>
-          <a:p>
-            <a:r>
-              <a:rPr lang="es-MX" dirty="0"/>
-              <a:t>laborales durante el tiempo dedicado a la vida familiar y personal, o se tiene que laborar fuera del horario de trabajo;</a:t>
-            </a:r>
-          </a:p>
-          <a:p>
-            <a:r>
-              <a:rPr lang="es-MX" b="1" dirty="0"/>
-              <a:t>f) </a:t>
-            </a:r>
-            <a:r>
-              <a:rPr lang="es-MX" dirty="0"/>
-              <a:t>Liderazgo negativo y relaciones negativas en el trabajo:</a:t>
-            </a:r>
-          </a:p>
-          <a:p>
-            <a:r>
-              <a:rPr lang="es-MX" b="1" dirty="0"/>
-              <a:t>1) </a:t>
-            </a:r>
-            <a:r>
-              <a:rPr lang="es-MX" dirty="0"/>
-              <a:t>El liderazgo negativo en el trabajo hace referencia al tipo de relación que se establece entre el patrón o, sus</a:t>
-            </a:r>
-          </a:p>
-          <a:p>
-            <a:r>
-              <a:rPr lang="es-MX" dirty="0"/>
-              <a:t>representantes y los trabajadores, cuyas características influyen en la forma de trabajar y en las relaciones de un</a:t>
-            </a:r>
-          </a:p>
-          <a:p>
-            <a:r>
-              <a:rPr lang="es-MX" dirty="0"/>
-              <a:t>área de trabajo y que está directamente relacionado con la actitud agresiva y/o impositiva; falta de claridad de las</a:t>
-            </a:r>
-          </a:p>
-          <a:p>
-            <a:r>
-              <a:rPr lang="es-MX" dirty="0"/>
-              <a:t>funciones en las actividades, y escaso o nulo reconocimiento y retroalimentación del desempeño, y</a:t>
-            </a:r>
-          </a:p>
-          <a:p>
-            <a:r>
-              <a:rPr lang="es-MX" b="1" dirty="0"/>
-              <a:t>2) </a:t>
-            </a:r>
-            <a:r>
-              <a:rPr lang="es-MX" dirty="0"/>
-              <a:t>El concepto de relaciones negativas en el trabajo se refiere a la interacción que se establece en el contexto laboral y</a:t>
-            </a:r>
-          </a:p>
-          <a:p>
-            <a:r>
-              <a:rPr lang="es-MX" dirty="0"/>
-              <a:t>abarca aspectos como la imposibilidad de interactuar con los compañeros de trabajo para la solución de problemas</a:t>
-            </a:r>
-          </a:p>
-          <a:p>
-            <a:r>
-              <a:rPr lang="es-MX" dirty="0"/>
-              <a:t>relacionados con el trabajo, y características desfavorables de estas interacciones en aspectos funcionales como</a:t>
-            </a:r>
-          </a:p>
-          <a:p>
-            <a:r>
-              <a:rPr lang="es-MX" dirty="0"/>
-              <a:t>deficiente o nulo trabajo en equipo y apoyo social, y</a:t>
-            </a:r>
-          </a:p>
-          <a:p>
-            <a:r>
-              <a:rPr lang="es-MX" b="1" dirty="0"/>
-              <a:t>g) </a:t>
-            </a:r>
-            <a:r>
-              <a:rPr lang="es-MX" dirty="0"/>
-              <a:t>La violencia laboral, de conformidad con lo siguiente:</a:t>
-            </a:r>
-          </a:p>
-          <a:p>
-            <a:r>
-              <a:rPr lang="es-MX" b="1" dirty="0"/>
-              <a:t>1) </a:t>
-            </a:r>
-            <a:r>
-              <a:rPr lang="es-MX" dirty="0"/>
-              <a:t>Acoso, acoso psicológico</a:t>
-            </a:r>
-            <a:r>
-              <a:rPr lang="es-MX" b="1" dirty="0"/>
-              <a:t>: </a:t>
-            </a:r>
-            <a:r>
-              <a:rPr lang="es-MX" dirty="0"/>
-              <a:t>Aquellos actos que dañan la estabilidad psicológica, la personalidad, la dignidad o</a:t>
-            </a:r>
-          </a:p>
-          <a:p>
-            <a:r>
-              <a:rPr lang="es-MX" dirty="0"/>
-              <a:t>integridad del trabajador. Consiste en acciones de intimidación sistemática y persistente, tales como: descrédito,</a:t>
-            </a:r>
-          </a:p>
-          <a:p>
-            <a:r>
-              <a:rPr lang="es-MX" dirty="0"/>
-              <a:t>insultos, humillaciones, devaluación, marginación, indiferencia, comparaciones destructivas, rechazo, restricción a la</a:t>
-            </a:r>
-          </a:p>
-          <a:p>
-            <a:r>
-              <a:rPr lang="es-MX" dirty="0"/>
-              <a:t>autodeterminación y amenazas, las cuales llevan al trabajador a la depresión, al aislamiento, a la pérdida de su</a:t>
-            </a:r>
-          </a:p>
-          <a:p>
-            <a:r>
-              <a:rPr lang="es-MX" dirty="0"/>
-              <a:t>autoestima. Para efectos de esta Norma no se considera el acoso sexual;</a:t>
-            </a:r>
-          </a:p>
-          <a:p>
-            <a:r>
-              <a:rPr lang="es-MX" b="1" dirty="0"/>
-              <a:t>2) </a:t>
-            </a:r>
-            <a:r>
-              <a:rPr lang="es-MX" dirty="0" smtClean="0"/>
-              <a:t>Hostigamiento</a:t>
-            </a:r>
-            <a:r>
-              <a:rPr lang="es-MX" b="1" dirty="0"/>
-              <a:t>: </a:t>
-            </a:r>
-            <a:r>
-              <a:rPr lang="es-MX" dirty="0"/>
-              <a:t>El ejercicio de poder en una relación de subordinación real de la víctima frente al agresor en el</a:t>
-            </a:r>
-          </a:p>
-          <a:p>
-            <a:r>
-              <a:rPr lang="es-MX" dirty="0"/>
-              <a:t>ámbito laboral, que se expresa en conductas verbales, físicas o ambas, y</a:t>
-            </a:r>
-          </a:p>
-          <a:p>
-            <a:r>
-              <a:rPr lang="es-MX" b="1" dirty="0"/>
-              <a:t>3) </a:t>
-            </a:r>
-            <a:r>
-              <a:rPr lang="es-MX" dirty="0"/>
-              <a:t>Malos tratos: Aquellos actos consistentes en insultos, burlas, humillaciones y/o ridiculizaciones del trabajador,</a:t>
-            </a:r>
-          </a:p>
-          <a:p>
-            <a:r>
-              <a:rPr lang="es-MX" dirty="0"/>
-              <a:t>realizados de manera continua y persistente (más de una vez y/o en diferentes ocasiones).</a:t>
-            </a:r>
+              <a:rPr lang="es-MX" sz="1800" dirty="0" smtClean="0">
+                <a:solidFill>
+                  <a:schemeClr val="tx2">
+                    <a:lumMod val="50000"/>
+                  </a:schemeClr>
+                </a:solidFill>
+              </a:rPr>
+              <a:t>Detección de estructuras de </a:t>
+            </a:r>
+            <a:r>
+              <a:rPr lang="es-MX" sz="1800" b="1" dirty="0" smtClean="0">
+                <a:solidFill>
+                  <a:schemeClr val="tx1">
+                    <a:lumMod val="75000"/>
+                  </a:schemeClr>
+                </a:solidFill>
+              </a:rPr>
+              <a:t>Liderazgo </a:t>
+            </a:r>
+            <a:r>
+              <a:rPr lang="es-MX" sz="1800" b="1" dirty="0">
+                <a:solidFill>
+                  <a:schemeClr val="tx1">
+                    <a:lumMod val="75000"/>
+                  </a:schemeClr>
+                </a:solidFill>
+              </a:rPr>
+              <a:t>negativo y relaciones </a:t>
+            </a:r>
+            <a:r>
+              <a:rPr lang="es-MX" sz="1800" b="1" dirty="0" smtClean="0">
+                <a:solidFill>
+                  <a:schemeClr val="tx1">
+                    <a:lumMod val="75000"/>
+                  </a:schemeClr>
+                </a:solidFill>
+              </a:rPr>
+              <a:t>negativas</a:t>
+            </a:r>
+            <a:endParaRPr lang="es-MX" sz="1800" b="1" dirty="0">
+              <a:solidFill>
+                <a:schemeClr val="tx1">
+                  <a:lumMod val="75000"/>
+                </a:schemeClr>
+              </a:solidFill>
+            </a:endParaRPr>
+          </a:p>
+          <a:p>
+            <a:pPr marL="0" indent="0" algn="just">
+              <a:buNone/>
+            </a:pPr>
+            <a:r>
+              <a:rPr lang="es-MX" sz="1800" b="1" dirty="0" smtClean="0">
+                <a:solidFill>
+                  <a:schemeClr val="tx2">
+                    <a:lumMod val="50000"/>
+                  </a:schemeClr>
+                </a:solidFill>
+              </a:rPr>
+              <a:t>	g</a:t>
+            </a:r>
+            <a:r>
+              <a:rPr lang="es-MX" sz="1800" b="1" dirty="0">
+                <a:solidFill>
+                  <a:schemeClr val="tx2">
+                    <a:lumMod val="50000"/>
+                  </a:schemeClr>
+                </a:solidFill>
+              </a:rPr>
+              <a:t>)</a:t>
+            </a:r>
+            <a:r>
+              <a:rPr lang="es-MX" sz="1800" dirty="0">
+                <a:solidFill>
+                  <a:schemeClr val="tx2">
+                    <a:lumMod val="50000"/>
+                  </a:schemeClr>
+                </a:solidFill>
+              </a:rPr>
+              <a:t> </a:t>
+            </a:r>
+            <a:r>
+              <a:rPr lang="es-MX" sz="1800" dirty="0" smtClean="0">
+                <a:solidFill>
+                  <a:schemeClr val="tx2">
+                    <a:lumMod val="50000"/>
+                  </a:schemeClr>
+                </a:solidFill>
+              </a:rPr>
+              <a:t>Detección oportuna de cualquier instancia de </a:t>
+            </a:r>
+            <a:r>
+              <a:rPr lang="es-MX" sz="1800" b="1" dirty="0" smtClean="0">
+                <a:solidFill>
+                  <a:schemeClr val="tx1">
+                    <a:lumMod val="75000"/>
+                  </a:schemeClr>
+                </a:solidFill>
+              </a:rPr>
+              <a:t>violencia laboral</a:t>
+            </a:r>
+            <a:r>
+              <a:rPr lang="es-MX" sz="1800" dirty="0" smtClean="0">
+                <a:solidFill>
+                  <a:schemeClr val="tx2">
+                    <a:lumMod val="50000"/>
+                  </a:schemeClr>
+                </a:solidFill>
+              </a:rPr>
+              <a:t>, (Acoso verbal, 	físico o psicológico, hostigamientos y malos tratos)</a:t>
+            </a:r>
+            <a:endParaRPr lang="es-MX" sz="1800" dirty="0">
+              <a:solidFill>
+                <a:schemeClr val="tx2">
+                  <a:lumMod val="50000"/>
+                </a:schemeClr>
+              </a:solidFill>
+            </a:endParaRPr>
           </a:p>
         </p:txBody>
       </p:sp>
@@ -10051,7 +10122,6 @@
               <a:rPr lang="es-MX" dirty="0"/>
               <a:t>a factores de riesgo psicosocial, a actos de violencia laboral o acontecimientos traumáticos severos.</a:t>
             </a:r>
-            <a:endParaRPr lang="es-MX" dirty="0"/>
           </a:p>
         </p:txBody>
       </p:sp>
@@ -10190,7 +10260,7 @@
               <a:hlinkClick r:id="rId3">
                 <a:extLst>
                   <a:ext uri="{A12FA001-AC4F-418D-AE19-62706E023703}">
-                    <ahyp:hlinkClr xmlns="" xmlns:ahyp="http://schemas.microsoft.com/office/drawing/2018/hyperlinkcolor" xmlns:lc="http://schemas.openxmlformats.org/drawingml/2006/lockedCanvas" val="tx"/>
+                    <ahyp:hlinkClr xmlns:lc="http://schemas.openxmlformats.org/drawingml/2006/lockedCanvas" xmlns:ahyp="http://schemas.microsoft.com/office/drawing/2018/hyperlinkcolor" xmlns="" val="tx"/>
                   </a:ext>
                 </a:extLst>
               </a:hlinkClick>
@@ -10457,8 +10527,8 @@
               <a:buNone/>
             </a:pPr>
             <a:r>
-              <a:rPr lang="es-MX" b="1" dirty="0" smtClean="0"/>
-              <a:t>6.2 </a:t>
+              <a:rPr lang="es-MX" b="1" smtClean="0"/>
+              <a:t>2. </a:t>
             </a:r>
             <a:r>
               <a:rPr lang="es-MX" dirty="0"/>
@@ -11078,7 +11148,6 @@
               <a:rPr lang="es-MX" dirty="0"/>
               <a:t>.</a:t>
             </a:r>
-            <a:endParaRPr lang="es-MX" dirty="0"/>
           </a:p>
         </p:txBody>
       </p:sp>
@@ -11219,7 +11288,7 @@
               <a:hlinkClick r:id="rId3">
                 <a:extLst>
                   <a:ext uri="{A12FA001-AC4F-418D-AE19-62706E023703}">
-                    <ahyp:hlinkClr xmlns="" xmlns:ahyp="http://schemas.microsoft.com/office/drawing/2018/hyperlinkcolor" xmlns:lc="http://schemas.openxmlformats.org/drawingml/2006/lockedCanvas" val="tx"/>
+                    <ahyp:hlinkClr xmlns:lc="http://schemas.openxmlformats.org/drawingml/2006/lockedCanvas" xmlns:ahyp="http://schemas.microsoft.com/office/drawing/2018/hyperlinkcolor" xmlns="" val="tx"/>
                   </a:ext>
                 </a:extLst>
               </a:hlinkClick>
@@ -11493,7 +11562,7 @@
               <a:hlinkClick r:id="rId3">
                 <a:extLst>
                   <a:ext uri="{A12FA001-AC4F-418D-AE19-62706E023703}">
-                    <ahyp:hlinkClr xmlns="" xmlns:ahyp="http://schemas.microsoft.com/office/drawing/2018/hyperlinkcolor" xmlns:lc="http://schemas.openxmlformats.org/drawingml/2006/lockedCanvas" val="tx"/>
+                    <ahyp:hlinkClr xmlns:lc="http://schemas.openxmlformats.org/drawingml/2006/lockedCanvas" xmlns:ahyp="http://schemas.microsoft.com/office/drawing/2018/hyperlinkcolor" xmlns="" val="tx"/>
                   </a:ext>
                 </a:extLst>
               </a:hlinkClick>
@@ -11654,7 +11723,7 @@
               <a:hlinkClick r:id="rId3">
                 <a:extLst>
                   <a:ext uri="{A12FA001-AC4F-418D-AE19-62706E023703}">
-                    <ahyp:hlinkClr xmlns="" xmlns:ahyp="http://schemas.microsoft.com/office/drawing/2018/hyperlinkcolor" xmlns:lc="http://schemas.openxmlformats.org/drawingml/2006/lockedCanvas" val="tx"/>
+                    <ahyp:hlinkClr xmlns:lc="http://schemas.openxmlformats.org/drawingml/2006/lockedCanvas" xmlns:ahyp="http://schemas.microsoft.com/office/drawing/2018/hyperlinkcolor" xmlns="" val="tx"/>
                   </a:ext>
                 </a:extLst>
               </a:hlinkClick>
@@ -12069,20 +12138,75 @@
         </p:nvSpPr>
         <p:spPr>
           <a:xfrm>
-            <a:off x="457200" y="2343150"/>
+            <a:off x="435769" y="1255514"/>
             <a:ext cx="8229600" cy="2632472"/>
           </a:xfrm>
         </p:spPr>
         <p:txBody>
           <a:bodyPr>
-            <a:normAutofit/>
+            <a:normAutofit fontScale="25000" lnSpcReduction="20000"/>
           </a:bodyPr>
           <a:lstStyle/>
           <a:p>
             <a:pPr marL="19050" lvl="0" indent="0" algn="just">
               <a:buNone/>
             </a:pPr>
-            <a:endParaRPr lang="es-ES" dirty="0">
+            <a:r>
+              <a:rPr lang="es-MX" dirty="0" smtClean="0">
+                <a:solidFill>
+                  <a:schemeClr val="accent2">
+                    <a:lumMod val="50000"/>
+                  </a:schemeClr>
+                </a:solidFill>
+              </a:rPr>
+              <a:t>El </a:t>
+            </a:r>
+            <a:r>
+              <a:rPr lang="es-MX" dirty="0">
+                <a:solidFill>
+                  <a:schemeClr val="accent2">
+                    <a:lumMod val="50000"/>
+                  </a:schemeClr>
+                </a:solidFill>
+              </a:rPr>
+              <a:t>patrón tendrá la opción de contratar una unidad de verificación acreditada y aprobada, en los términos de la Ley </a:t>
+            </a:r>
+            <a:r>
+              <a:rPr lang="es-MX" dirty="0" smtClean="0">
+                <a:solidFill>
+                  <a:schemeClr val="accent2">
+                    <a:lumMod val="50000"/>
+                  </a:schemeClr>
+                </a:solidFill>
+              </a:rPr>
+              <a:t>Federal sobre </a:t>
+            </a:r>
+            <a:r>
+              <a:rPr lang="es-MX" dirty="0">
+                <a:solidFill>
+                  <a:schemeClr val="accent2">
+                    <a:lumMod val="50000"/>
+                  </a:schemeClr>
+                </a:solidFill>
+              </a:rPr>
+              <a:t>Metrología y Normalización y su Reglamento, para verificar el grado de cumplimiento con esta Norma</a:t>
+            </a:r>
+            <a:r>
+              <a:rPr lang="es-MX" dirty="0" smtClean="0">
+                <a:solidFill>
+                  <a:schemeClr val="accent2">
+                    <a:lumMod val="50000"/>
+                  </a:schemeClr>
+                </a:solidFill>
+              </a:rPr>
+              <a:t>.</a:t>
+            </a:r>
+          </a:p>
+          <a:p>
+            <a:pPr marL="19050" lvl="0" indent="0" algn="just">
+              <a:buNone/>
+            </a:pPr>
+            <a:endParaRPr lang="es-MX" dirty="0">
               <a:solidFill>
                 <a:schemeClr val="accent2">
                   <a:lumMod val="50000"/>
@@ -12095,46 +12219,531 @@
               <a:buNone/>
             </a:pPr>
             <a:r>
-              <a:rPr lang="es-ES" dirty="0" smtClean="0">
-                <a:solidFill>
-                  <a:schemeClr val="bg1"/>
-                </a:solidFill>
-              </a:rPr>
-              <a:t>En la </a:t>
-            </a:r>
-            <a:r>
-              <a:rPr lang="en" b="1" i="1" dirty="0" smtClean="0">
-                <a:solidFill>
-                  <a:schemeClr val="bg1"/>
-                </a:solidFill>
-              </a:rPr>
-              <a:t>NOM-035-STPS-2018</a:t>
-            </a:r>
-            <a:r>
-              <a:rPr lang="es-ES" dirty="0" smtClean="0">
-                <a:solidFill>
-                  <a:schemeClr val="bg1"/>
-                </a:solidFill>
-              </a:rPr>
-              <a:t> se vierten algunas sugerencias sobre la identificación y el tratamiento de los FRP en vías de promover un entorno laboral favorable.</a:t>
-            </a:r>
-            <a:endParaRPr lang="es-ES" sz="2400" dirty="0" smtClean="0">
+              <a:rPr lang="es-MX" dirty="0">
+                <a:solidFill>
+                  <a:schemeClr val="accent2">
+                    <a:lumMod val="50000"/>
+                  </a:schemeClr>
+                </a:solidFill>
+              </a:rPr>
+              <a:t>9.2 Las unidades de verificación que evalúen la conformidad con la presente Norma, deberán aplicar los criterios de</a:t>
+            </a:r>
+          </a:p>
+          <a:p>
+            <a:pPr marL="19050" lvl="0" indent="0" algn="just">
+              <a:buNone/>
+            </a:pPr>
+            <a:r>
+              <a:rPr lang="es-MX" dirty="0">
+                <a:solidFill>
+                  <a:schemeClr val="accent2">
+                    <a:lumMod val="50000"/>
+                  </a:schemeClr>
+                </a:solidFill>
+              </a:rPr>
+              <a:t>cumplimiento que prevé el procedimiento para la evaluación de la conformidad, de acuerdo con lo señalado en el Capítulo 10 de</a:t>
+            </a:r>
+          </a:p>
+          <a:p>
+            <a:pPr marL="19050" lvl="0" indent="0" algn="just">
+              <a:buNone/>
+            </a:pPr>
+            <a:r>
+              <a:rPr lang="es-MX" dirty="0">
+                <a:solidFill>
+                  <a:schemeClr val="accent2">
+                    <a:lumMod val="50000"/>
+                  </a:schemeClr>
+                </a:solidFill>
+              </a:rPr>
+              <a:t>la misma.</a:t>
+            </a:r>
+          </a:p>
+          <a:p>
+            <a:pPr marL="19050" lvl="0" indent="0" algn="just">
+              <a:buNone/>
+            </a:pPr>
+            <a:r>
+              <a:rPr lang="es-MX" dirty="0">
+                <a:solidFill>
+                  <a:schemeClr val="accent2">
+                    <a:lumMod val="50000"/>
+                  </a:schemeClr>
+                </a:solidFill>
+              </a:rPr>
+              <a:t>9.3 Las unidades de verificación acreditadas y aprobadas que evalúen el cumplimiento con esta Norma deberán emitir un</a:t>
+            </a:r>
+          </a:p>
+          <a:p>
+            <a:pPr marL="19050" lvl="0" indent="0" algn="just">
+              <a:buNone/>
+            </a:pPr>
+            <a:r>
+              <a:rPr lang="es-MX" dirty="0">
+                <a:solidFill>
+                  <a:schemeClr val="accent2">
+                    <a:lumMod val="50000"/>
+                  </a:schemeClr>
+                </a:solidFill>
+              </a:rPr>
+              <a:t>dictamen, el cual habrá de contener:</a:t>
+            </a:r>
+          </a:p>
+          <a:p>
+            <a:pPr marL="19050" lvl="0" indent="0" algn="just">
+              <a:buNone/>
+            </a:pPr>
+            <a:r>
+              <a:rPr lang="es-MX" dirty="0">
+                <a:solidFill>
+                  <a:schemeClr val="accent2">
+                    <a:lumMod val="50000"/>
+                  </a:schemeClr>
+                </a:solidFill>
+              </a:rPr>
+              <a:t>a) Datos del centro de trabajo verificado:</a:t>
+            </a:r>
+          </a:p>
+          <a:p>
+            <a:pPr marL="19050" lvl="0" indent="0" algn="just">
+              <a:buNone/>
+            </a:pPr>
+            <a:r>
+              <a:rPr lang="es-MX" dirty="0">
+                <a:solidFill>
+                  <a:schemeClr val="accent2">
+                    <a:lumMod val="50000"/>
+                  </a:schemeClr>
+                </a:solidFill>
+              </a:rPr>
+              <a:t>1) El nombre, denominación o razón social;</a:t>
+            </a:r>
+          </a:p>
+          <a:p>
+            <a:pPr marL="19050" lvl="0" indent="0" algn="just">
+              <a:buNone/>
+            </a:pPr>
+            <a:r>
+              <a:rPr lang="es-MX" dirty="0">
+                <a:solidFill>
+                  <a:schemeClr val="accent2">
+                    <a:lumMod val="50000"/>
+                  </a:schemeClr>
+                </a:solidFill>
+              </a:rPr>
+              <a:t>2) El Registro Federal de Contribuyentes;</a:t>
+            </a:r>
+          </a:p>
+          <a:p>
+            <a:pPr marL="19050" lvl="0" indent="0" algn="just">
+              <a:buNone/>
+            </a:pPr>
+            <a:r>
+              <a:rPr lang="es-MX" dirty="0">
+                <a:solidFill>
+                  <a:schemeClr val="accent2">
+                    <a:lumMod val="50000"/>
+                  </a:schemeClr>
+                </a:solidFill>
+              </a:rPr>
+              <a:t>3) El domicilio completo;</a:t>
+            </a:r>
+          </a:p>
+          <a:p>
+            <a:pPr marL="19050" lvl="0" indent="0" algn="just">
+              <a:buNone/>
+            </a:pPr>
+            <a:r>
+              <a:rPr lang="es-MX" dirty="0">
+                <a:solidFill>
+                  <a:schemeClr val="accent2">
+                    <a:lumMod val="50000"/>
+                  </a:schemeClr>
+                </a:solidFill>
+              </a:rPr>
+              <a:t>4) El teléfono, y</a:t>
+            </a:r>
+          </a:p>
+          <a:p>
+            <a:pPr marL="19050" lvl="0" indent="0" algn="just">
+              <a:buNone/>
+            </a:pPr>
+            <a:r>
+              <a:rPr lang="es-MX" dirty="0">
+                <a:solidFill>
+                  <a:schemeClr val="accent2">
+                    <a:lumMod val="50000"/>
+                  </a:schemeClr>
+                </a:solidFill>
+              </a:rPr>
+              <a:t>5) La actividad principal;</a:t>
+            </a:r>
+          </a:p>
+          <a:p>
+            <a:pPr marL="19050" lvl="0" indent="0" algn="just">
+              <a:buNone/>
+            </a:pPr>
+            <a:r>
+              <a:rPr lang="es-MX" dirty="0">
+                <a:solidFill>
+                  <a:schemeClr val="accent2">
+                    <a:lumMod val="50000"/>
+                  </a:schemeClr>
+                </a:solidFill>
+              </a:rPr>
+              <a:t>b) Datos de la unidad de verificación:</a:t>
+            </a:r>
+          </a:p>
+          <a:p>
+            <a:pPr marL="19050" lvl="0" indent="0" algn="just">
+              <a:buNone/>
+            </a:pPr>
+            <a:endParaRPr lang="es-MX" dirty="0">
               <a:solidFill>
-                <a:schemeClr val="bg1"/>
+                <a:schemeClr val="accent2">
+                  <a:lumMod val="50000"/>
+                </a:schemeClr>
               </a:solidFill>
-              <a:hlinkClick r:id="rId3">
-                <a:extLst>
-                  <a:ext uri="{A12FA001-AC4F-418D-AE19-62706E023703}">
-                    <ahyp:hlinkClr xmlns="" xmlns:ahyp="http://schemas.microsoft.com/office/drawing/2018/hyperlinkcolor" xmlns:lc="http://schemas.openxmlformats.org/drawingml/2006/lockedCanvas" val="tx"/>
-                  </a:ext>
-                </a:extLst>
-              </a:hlinkClick>
             </a:endParaRPr>
           </a:p>
           <a:p>
-            <a:pPr marL="0" indent="0">
-              <a:buNone/>
-            </a:pPr>
+            <a:pPr marL="19050" lvl="0" indent="0" algn="just">
+              <a:buNone/>
+            </a:pPr>
+            <a:r>
+              <a:rPr lang="es-MX" dirty="0">
+                <a:solidFill>
+                  <a:schemeClr val="accent2">
+                    <a:lumMod val="50000"/>
+                  </a:schemeClr>
+                </a:solidFill>
+              </a:rPr>
+              <a:t>4/2/2019 Diario Oficial de la Federación</a:t>
+            </a:r>
+          </a:p>
+          <a:p>
+            <a:pPr marL="19050" lvl="0" indent="0" algn="just">
+              <a:buNone/>
+            </a:pPr>
+            <a:endParaRPr lang="es-MX" dirty="0">
+              <a:solidFill>
+                <a:schemeClr val="accent2">
+                  <a:lumMod val="50000"/>
+                </a:schemeClr>
+              </a:solidFill>
+            </a:endParaRPr>
+          </a:p>
+          <a:p>
+            <a:pPr marL="19050" lvl="0" indent="0" algn="just">
+              <a:buNone/>
+            </a:pPr>
+            <a:r>
+              <a:rPr lang="es-MX" dirty="0">
+                <a:solidFill>
+                  <a:schemeClr val="accent2">
+                    <a:lumMod val="50000"/>
+                  </a:schemeClr>
+                </a:solidFill>
+              </a:rPr>
+              <a:t>http://diariooficial.gob.mx/nota_detalle.php?codigo=5541828&amp;fecha=23/10/2018&amp;print=true 9/41</a:t>
+            </a:r>
+          </a:p>
+          <a:p>
+            <a:pPr marL="19050" lvl="0" indent="0" algn="just">
+              <a:buNone/>
+            </a:pPr>
+            <a:endParaRPr lang="es-MX" dirty="0">
+              <a:solidFill>
+                <a:schemeClr val="accent2">
+                  <a:lumMod val="50000"/>
+                </a:schemeClr>
+              </a:solidFill>
+            </a:endParaRPr>
+          </a:p>
+          <a:p>
+            <a:pPr marL="19050" lvl="0" indent="0" algn="just">
+              <a:buNone/>
+            </a:pPr>
+            <a:r>
+              <a:rPr lang="es-MX" dirty="0">
+                <a:solidFill>
+                  <a:schemeClr val="accent2">
+                    <a:lumMod val="50000"/>
+                  </a:schemeClr>
+                </a:solidFill>
+              </a:rPr>
+              <a:t>1) El nombre, denominación o razón social;</a:t>
+            </a:r>
+          </a:p>
+          <a:p>
+            <a:pPr marL="19050" lvl="0" indent="0" algn="just">
+              <a:buNone/>
+            </a:pPr>
+            <a:r>
+              <a:rPr lang="es-MX" dirty="0">
+                <a:solidFill>
+                  <a:schemeClr val="accent2">
+                    <a:lumMod val="50000"/>
+                  </a:schemeClr>
+                </a:solidFill>
+              </a:rPr>
+              <a:t>2) El número de acreditación;</a:t>
+            </a:r>
+          </a:p>
+          <a:p>
+            <a:pPr marL="19050" lvl="0" indent="0" algn="just">
+              <a:buNone/>
+            </a:pPr>
+            <a:r>
+              <a:rPr lang="es-MX" dirty="0">
+                <a:solidFill>
+                  <a:schemeClr val="accent2">
+                    <a:lumMod val="50000"/>
+                  </a:schemeClr>
+                </a:solidFill>
+              </a:rPr>
+              <a:t>3) El número de aprobación otorgado por la Secretaría del Trabajo y Previsión Social, y</a:t>
+            </a:r>
+          </a:p>
+          <a:p>
+            <a:pPr marL="19050" lvl="0" indent="0" algn="just">
+              <a:buNone/>
+            </a:pPr>
+            <a:r>
+              <a:rPr lang="es-MX" dirty="0">
+                <a:solidFill>
+                  <a:schemeClr val="accent2">
+                    <a:lumMod val="50000"/>
+                  </a:schemeClr>
+                </a:solidFill>
+              </a:rPr>
+              <a:t>4) Su domicilio completo;</a:t>
+            </a:r>
+          </a:p>
+          <a:p>
+            <a:pPr marL="19050" lvl="0" indent="0" algn="just">
+              <a:buNone/>
+            </a:pPr>
+            <a:r>
+              <a:rPr lang="es-MX" dirty="0">
+                <a:solidFill>
+                  <a:schemeClr val="accent2">
+                    <a:lumMod val="50000"/>
+                  </a:schemeClr>
+                </a:solidFill>
+              </a:rPr>
+              <a:t>c) Datos del dictamen:</a:t>
+            </a:r>
+          </a:p>
+          <a:p>
+            <a:pPr marL="19050" lvl="0" indent="0" algn="just">
+              <a:buNone/>
+            </a:pPr>
+            <a:r>
+              <a:rPr lang="es-MX" dirty="0">
+                <a:solidFill>
+                  <a:schemeClr val="accent2">
+                    <a:lumMod val="50000"/>
+                  </a:schemeClr>
+                </a:solidFill>
+              </a:rPr>
+              <a:t>1) La clave y nombre de la norma;</a:t>
+            </a:r>
+          </a:p>
+          <a:p>
+            <a:pPr marL="19050" lvl="0" indent="0" algn="just">
+              <a:buNone/>
+            </a:pPr>
+            <a:r>
+              <a:rPr lang="es-MX" dirty="0">
+                <a:solidFill>
+                  <a:schemeClr val="accent2">
+                    <a:lumMod val="50000"/>
+                  </a:schemeClr>
+                </a:solidFill>
+              </a:rPr>
+              <a:t>2) El nombre del verificador evaluado y aprobado;</a:t>
+            </a:r>
+          </a:p>
+          <a:p>
+            <a:pPr marL="19050" lvl="0" indent="0" algn="just">
+              <a:buNone/>
+            </a:pPr>
+            <a:r>
+              <a:rPr lang="es-MX" dirty="0">
+                <a:solidFill>
+                  <a:schemeClr val="accent2">
+                    <a:lumMod val="50000"/>
+                  </a:schemeClr>
+                </a:solidFill>
+              </a:rPr>
+              <a:t>3) La fecha de verificación;</a:t>
+            </a:r>
+          </a:p>
+          <a:p>
+            <a:pPr marL="19050" lvl="0" indent="0" algn="just">
+              <a:buNone/>
+            </a:pPr>
+            <a:r>
+              <a:rPr lang="es-MX" dirty="0">
+                <a:solidFill>
+                  <a:schemeClr val="accent2">
+                    <a:lumMod val="50000"/>
+                  </a:schemeClr>
+                </a:solidFill>
+              </a:rPr>
+              <a:t>4) El número de dictamen;</a:t>
+            </a:r>
+          </a:p>
+          <a:p>
+            <a:pPr marL="19050" lvl="0" indent="0" algn="just">
+              <a:buNone/>
+            </a:pPr>
+            <a:r>
+              <a:rPr lang="es-MX" dirty="0">
+                <a:solidFill>
+                  <a:schemeClr val="accent2">
+                    <a:lumMod val="50000"/>
+                  </a:schemeClr>
+                </a:solidFill>
+              </a:rPr>
+              <a:t>5) La vigencia del dictamen;</a:t>
+            </a:r>
+          </a:p>
+          <a:p>
+            <a:pPr marL="19050" lvl="0" indent="0" algn="just">
+              <a:buNone/>
+            </a:pPr>
+            <a:r>
+              <a:rPr lang="es-MX" dirty="0">
+                <a:solidFill>
+                  <a:schemeClr val="accent2">
+                    <a:lumMod val="50000"/>
+                  </a:schemeClr>
+                </a:solidFill>
+              </a:rPr>
+              <a:t>6) El lugar de emisión del dictamen;</a:t>
+            </a:r>
+          </a:p>
+          <a:p>
+            <a:pPr marL="19050" lvl="0" indent="0" algn="just">
+              <a:buNone/>
+            </a:pPr>
+            <a:r>
+              <a:rPr lang="es-MX" dirty="0">
+                <a:solidFill>
+                  <a:schemeClr val="accent2">
+                    <a:lumMod val="50000"/>
+                  </a:schemeClr>
+                </a:solidFill>
+              </a:rPr>
+              <a:t>7) La fecha de emisión del dictamen, y</a:t>
+            </a:r>
+          </a:p>
+          <a:p>
+            <a:pPr marL="19050" lvl="0" indent="0" algn="just">
+              <a:buNone/>
+            </a:pPr>
+            <a:r>
+              <a:rPr lang="es-MX" dirty="0">
+                <a:solidFill>
+                  <a:schemeClr val="accent2">
+                    <a:lumMod val="50000"/>
+                  </a:schemeClr>
+                </a:solidFill>
+              </a:rPr>
+              <a:t>8) El número de registro del dictamen emitido por la Secretaría del Trabajo y Previsión Social al rendirse el informe</a:t>
+            </a:r>
+          </a:p>
+          <a:p>
+            <a:pPr marL="19050" lvl="0" indent="0" algn="just">
+              <a:buNone/>
+            </a:pPr>
+            <a:r>
+              <a:rPr lang="es-MX" dirty="0">
+                <a:solidFill>
+                  <a:schemeClr val="accent2">
+                    <a:lumMod val="50000"/>
+                  </a:schemeClr>
+                </a:solidFill>
+              </a:rPr>
+              <a:t>respectivo, y</a:t>
+            </a:r>
+          </a:p>
+          <a:p>
+            <a:pPr marL="19050" lvl="0" indent="0" algn="just">
+              <a:buNone/>
+            </a:pPr>
+            <a:r>
+              <a:rPr lang="es-MX" dirty="0">
+                <a:solidFill>
+                  <a:schemeClr val="accent2">
+                    <a:lumMod val="50000"/>
+                  </a:schemeClr>
+                </a:solidFill>
+              </a:rPr>
+              <a:t>d) El método que se utilizó para la identificación y análisis de los factores de riesgo psicosocial y el entorno organizacional,</a:t>
+            </a:r>
+          </a:p>
+          <a:p>
+            <a:pPr marL="19050" lvl="0" indent="0" algn="just">
+              <a:buNone/>
+            </a:pPr>
+            <a:r>
+              <a:rPr lang="es-MX" dirty="0">
+                <a:solidFill>
+                  <a:schemeClr val="accent2">
+                    <a:lumMod val="50000"/>
+                  </a:schemeClr>
+                </a:solidFill>
+              </a:rPr>
+              <a:t>según aplique: los propuestos por las guías de referencia II o III de la presente Norma, o métodos desarrollados por el</a:t>
+            </a:r>
+          </a:p>
+          <a:p>
+            <a:pPr marL="19050" lvl="0" indent="0" algn="just">
+              <a:buNone/>
+            </a:pPr>
+            <a:r>
+              <a:rPr lang="es-MX" dirty="0">
+                <a:solidFill>
+                  <a:schemeClr val="accent2">
+                    <a:lumMod val="50000"/>
+                  </a:schemeClr>
+                </a:solidFill>
+              </a:rPr>
+              <a:t>patrón que cumplan con lo dispuesto por los numerales 7.4 y 7.5 de esta Norma.</a:t>
+            </a:r>
+          </a:p>
+          <a:p>
+            <a:pPr marL="19050" lvl="0" indent="0" algn="just">
+              <a:buNone/>
+            </a:pPr>
+            <a:r>
+              <a:rPr lang="es-MX" dirty="0">
+                <a:solidFill>
+                  <a:schemeClr val="accent2">
+                    <a:lumMod val="50000"/>
+                  </a:schemeClr>
+                </a:solidFill>
+              </a:rPr>
+              <a:t>9.4 La vigencia de los dictámenes emitidos por las unidades de verificación será de dos años, siempre y cuando no sean</a:t>
+            </a:r>
+          </a:p>
+          <a:p>
+            <a:pPr marL="19050" lvl="0" indent="0" algn="just">
+              <a:buNone/>
+            </a:pPr>
+            <a:r>
+              <a:rPr lang="es-MX" dirty="0">
+                <a:solidFill>
+                  <a:schemeClr val="accent2">
+                    <a:lumMod val="50000"/>
+                  </a:schemeClr>
+                </a:solidFill>
+              </a:rPr>
+              <a:t>modificadas las condiciones que sirvieron para su emisión.</a:t>
+            </a:r>
             <a:endParaRPr lang="es-MX" dirty="0"/>
           </a:p>
         </p:txBody>
@@ -12270,7 +12879,7 @@
               <a:hlinkClick r:id="rId3">
                 <a:extLst>
                   <a:ext uri="{A12FA001-AC4F-418D-AE19-62706E023703}">
-                    <ahyp:hlinkClr xmlns="" xmlns:ahyp="http://schemas.microsoft.com/office/drawing/2018/hyperlinkcolor" xmlns:lc="http://schemas.openxmlformats.org/drawingml/2006/lockedCanvas" val="tx"/>
+                    <ahyp:hlinkClr xmlns:lc="http://schemas.openxmlformats.org/drawingml/2006/lockedCanvas" xmlns:ahyp="http://schemas.microsoft.com/office/drawing/2018/hyperlinkcolor" xmlns="" val="tx"/>
                   </a:ext>
                 </a:extLst>
               </a:hlinkClick>
@@ -12415,7 +13024,7 @@
               <a:hlinkClick r:id="rId3">
                 <a:extLst>
                   <a:ext uri="{A12FA001-AC4F-418D-AE19-62706E023703}">
-                    <ahyp:hlinkClr xmlns="" xmlns:ahyp="http://schemas.microsoft.com/office/drawing/2018/hyperlinkcolor" xmlns:lc="http://schemas.openxmlformats.org/drawingml/2006/lockedCanvas" val="tx"/>
+                    <ahyp:hlinkClr xmlns:lc="http://schemas.openxmlformats.org/drawingml/2006/lockedCanvas" xmlns:ahyp="http://schemas.microsoft.com/office/drawing/2018/hyperlinkcolor" xmlns="" val="tx"/>
                   </a:ext>
                 </a:extLst>
               </a:hlinkClick>
@@ -12448,6 +13057,47 @@
           </a:p>
         </p:txBody>
       </p:sp>
+      <p:pic>
+        <p:nvPicPr>
+          <p:cNvPr id="1026" name="Picture 2" descr="Resultado de imagen para Dictamen"/>
+          <p:cNvPicPr>
+            <a:picLocks noChangeAspect="1" noChangeArrowheads="1"/>
+          </p:cNvPicPr>
+          <p:nvPr/>
+        </p:nvPicPr>
+        <p:blipFill>
+          <a:blip r:embed="rId4">
+            <a:extLst>
+              <a:ext uri="{28A0092B-C50C-407E-A947-70E740481C1C}">
+                <a14:useLocalDpi xmlns:a14="http://schemas.microsoft.com/office/drawing/2010/main" val="0"/>
+              </a:ext>
+            </a:extLst>
+          </a:blip>
+          <a:srcRect/>
+          <a:stretch>
+            <a:fillRect/>
+          </a:stretch>
+        </p:blipFill>
+        <p:spPr bwMode="auto">
+          <a:xfrm>
+            <a:off x="5410200" y="1504950"/>
+            <a:ext cx="3429000" cy="2284572"/>
+          </a:xfrm>
+          <a:prstGeom prst="rect">
+            <a:avLst/>
+          </a:prstGeom>
+          <a:noFill/>
+          <a:extLst>
+            <a:ext uri="{909E8E84-426E-40DD-AFC4-6F175D3DCCD1}">
+              <a14:hiddenFill xmlns:a14="http://schemas.microsoft.com/office/drawing/2010/main">
+                <a:solidFill>
+                  <a:srgbClr val="FFFFFF"/>
+                </a:solidFill>
+              </a14:hiddenFill>
+            </a:ext>
+          </a:extLst>
+        </p:spPr>
+      </p:pic>
     </p:spTree>
     <p:extLst>
       <p:ext uri="{BB962C8B-B14F-4D97-AF65-F5344CB8AC3E}">
@@ -13148,7 +13798,6 @@
               <a:rPr lang="es-MX" dirty="0"/>
               <a:t>Para centros de trabajo en los que laboren entre dieciséis y cincuenta trabajadores </a:t>
             </a:r>
-            <a:endParaRPr lang="es-MX" dirty="0"/>
           </a:p>
           <a:p>
             <a:pPr lvl="1"/>
@@ -13210,7 +13859,6 @@
               <a:rPr lang="es-MX" dirty="0"/>
               <a:t>Para centros de trabajo en los que laboren más de 50 trabajadores </a:t>
             </a:r>
-            <a:endParaRPr lang="es-MX" dirty="0"/>
           </a:p>
           <a:p>
             <a:pPr lvl="1"/>
@@ -13568,7 +14216,6 @@
               <a:rPr lang="es-MX" dirty="0"/>
               <a:t>Para centros de trabajo en los que laboren entre dieciséis y cincuenta trabajadores </a:t>
             </a:r>
-            <a:endParaRPr lang="es-MX" dirty="0"/>
           </a:p>
           <a:p>
             <a:pPr lvl="1"/>
@@ -13630,7 +14277,6 @@
               <a:rPr lang="es-MX" dirty="0"/>
               <a:t>Para centros de trabajo en los que laboren más de 50 trabajadores </a:t>
             </a:r>
-            <a:endParaRPr lang="es-MX" dirty="0"/>
           </a:p>
           <a:p>
             <a:pPr lvl="1"/>
@@ -13961,7 +14607,7 @@
               <a:hlinkClick r:id="rId3">
                 <a:extLst>
                   <a:ext uri="{A12FA001-AC4F-418D-AE19-62706E023703}">
-                    <ahyp:hlinkClr xmlns="" xmlns:ahyp="http://schemas.microsoft.com/office/drawing/2018/hyperlinkcolor" xmlns:lc="http://schemas.openxmlformats.org/drawingml/2006/lockedCanvas" val="tx"/>
+                    <ahyp:hlinkClr xmlns:lc="http://schemas.openxmlformats.org/drawingml/2006/lockedCanvas" xmlns:ahyp="http://schemas.microsoft.com/office/drawing/2018/hyperlinkcolor" xmlns="" val="tx"/>
                   </a:ext>
                 </a:extLst>
               </a:hlinkClick>
